--- a/stats/Семантическая картографическая информационная система представления статистических данных по.pptx
+++ b/stats/Семантическая картографическая информационная система представления статистических данных по.pptx
@@ -9,11 +9,11 @@
     <p:sldId id="257" r:id="rId3"/>
     <p:sldId id="258" r:id="rId4"/>
     <p:sldId id="259" r:id="rId5"/>
-    <p:sldId id="260" r:id="rId6"/>
-    <p:sldId id="261" r:id="rId7"/>
+    <p:sldId id="261" r:id="rId6"/>
+    <p:sldId id="260" r:id="rId7"/>
     <p:sldId id="262" r:id="rId8"/>
-    <p:sldId id="263" r:id="rId9"/>
-    <p:sldId id="264" r:id="rId10"/>
+    <p:sldId id="264" r:id="rId9"/>
+    <p:sldId id="263" r:id="rId10"/>
     <p:sldId id="265" r:id="rId11"/>
   </p:sldIdLst>
   <p:sldSz cx="12192000" cy="6858000"/>
@@ -113,7 +113,153 @@
       </a:defRPr>
     </a:lvl9pPr>
   </p:defaultTextStyle>
+  <p:extLst>
+    <p:ext uri="{EFAFB233-063F-42B5-8137-9DF3F51BA10A}">
+      <p15:sldGuideLst xmlns:p15="http://schemas.microsoft.com/office/powerpoint/2012/main"/>
+    </p:ext>
+  </p:extLst>
 </p:presentation>
+</file>
+
+<file path=ppt/commentAuthors.xml><?xml version="1.0" encoding="utf-8"?>
+<p:cmAuthorLst xmlns:a="http://schemas.openxmlformats.org/drawingml/2006/main" xmlns:r="http://schemas.openxmlformats.org/officeDocument/2006/relationships" xmlns:p="http://schemas.openxmlformats.org/presentationml/2006/main">
+  <p:cmAuthor id="1" name="Egor Serdyuk" initials="ES" lastIdx="12" clrIdx="0">
+    <p:extLst>
+      <p:ext uri="{19B8F6BF-5375-455C-9EA6-DF929625EA0E}">
+        <p15:presenceInfo xmlns:p15="http://schemas.microsoft.com/office/powerpoint/2012/main" userId="af017a131ffdc443" providerId="Windows Live"/>
+      </p:ext>
+    </p:extLst>
+  </p:cmAuthor>
+</p:cmAuthorLst>
+</file>
+
+<file path=ppt/comments/comment1.xml><?xml version="1.0" encoding="utf-8"?>
+<p:cmLst xmlns:a="http://schemas.openxmlformats.org/drawingml/2006/main" xmlns:r="http://schemas.openxmlformats.org/officeDocument/2006/relationships" xmlns:p="http://schemas.openxmlformats.org/presentationml/2006/main">
+  <p:cm authorId="1" dt="2021-04-20T12:54:16.184" idx="2">
+    <p:pos x="10" y="10"/>
+    <p:text>Применение таких систем позволяет на качественно новом уровне обеспечить информационной базой практически все службы и на этой основе обеспечить решение технических, экономических и целого ряда других задач.</p:text>
+    <p:extLst>
+      <p:ext uri="{C676402C-5697-4E1C-873F-D02D1690AC5C}">
+        <p15:threadingInfo xmlns:p15="http://schemas.microsoft.com/office/powerpoint/2012/main" timeZoneBias="-420"/>
+      </p:ext>
+    </p:extLst>
+  </p:cm>
+  <p:cm authorId="1" dt="2021-04-20T12:54:34.700" idx="3">
+    <p:pos x="146" y="146"/>
+    <p:text>Современные методы обработки информации позволяют быстро и качественно поддерживать ее актуальность, позволяя проводить наиболее наглядные наблюдения</p:text>
+    <p:extLst>
+      <p:ext uri="{C676402C-5697-4E1C-873F-D02D1690AC5C}">
+        <p15:threadingInfo xmlns:p15="http://schemas.microsoft.com/office/powerpoint/2012/main" timeZoneBias="-420"/>
+      </p:ext>
+    </p:extLst>
+  </p:cm>
+  <p:cm authorId="1" dt="2021-04-20T12:56:33.229" idx="4">
+    <p:pos x="282" y="282"/>
+    <p:text>Доступность играет немаловажную роль. К сожалению, она полностью ложится на сторону сервиса. Который поддерживает работу из браузера с мобильных устройств, так и с персональных компьютеров</p:text>
+    <p:extLst>
+      <p:ext uri="{C676402C-5697-4E1C-873F-D02D1690AC5C}">
+        <p15:threadingInfo xmlns:p15="http://schemas.microsoft.com/office/powerpoint/2012/main" timeZoneBias="-420"/>
+      </p:ext>
+    </p:extLst>
+  </p:cm>
+</p:cmLst>
+</file>
+
+<file path=ppt/comments/comment2.xml><?xml version="1.0" encoding="utf-8"?>
+<p:cmLst xmlns:a="http://schemas.openxmlformats.org/drawingml/2006/main" xmlns:r="http://schemas.openxmlformats.org/officeDocument/2006/relationships" xmlns:p="http://schemas.openxmlformats.org/presentationml/2006/main">
+  <p:cm authorId="1" dt="2021-04-20T13:01:41.427" idx="5">
+    <p:pos x="10" y="10"/>
+    <p:text>Набор DASH, который включает в себя библиотеку для создания различных интерактивных графиков Plot.ly и библиотеку веб сервера Flask. Это нам позволит создать простой сервис с встроенной поддержкой различного рода интерактивных графиков</p:text>
+    <p:extLst>
+      <p:ext uri="{C676402C-5697-4E1C-873F-D02D1690AC5C}">
+        <p15:threadingInfo xmlns:p15="http://schemas.microsoft.com/office/powerpoint/2012/main" timeZoneBias="-420"/>
+      </p:ext>
+    </p:extLst>
+  </p:cm>
+  <p:cm authorId="1" dt="2021-04-20T13:03:24.732" idx="6">
+    <p:pos x="146" y="146"/>
+    <p:text>Библиотека Pandas используется для хранения и обработки данных во время отображения информации</p:text>
+    <p:extLst>
+      <p:ext uri="{C676402C-5697-4E1C-873F-D02D1690AC5C}">
+        <p15:threadingInfo xmlns:p15="http://schemas.microsoft.com/office/powerpoint/2012/main" timeZoneBias="-420"/>
+      </p:ext>
+    </p:extLst>
+  </p:cm>
+  <p:cm authorId="1" dt="2021-04-20T13:03:54.536" idx="7">
+    <p:pos x="282" y="282"/>
+    <p:text>Cufflinks в свою очередь помагает значительно облегчить и оптимизировать работу между Pandas и Plot.ly</p:text>
+    <p:extLst>
+      <p:ext uri="{C676402C-5697-4E1C-873F-D02D1690AC5C}">
+        <p15:threadingInfo xmlns:p15="http://schemas.microsoft.com/office/powerpoint/2012/main" timeZoneBias="-420"/>
+      </p:ext>
+    </p:extLst>
+  </p:cm>
+  <p:cm authorId="1" dt="2021-04-20T13:04:35.574" idx="8">
+    <p:pos x="418" y="418"/>
+    <p:text>GEOJSON, как открытый формат для разметки и хранения географических структур, с которыми мы будем в дальнейшем работать через Plot.ly и его поддержку данного формата</p:text>
+    <p:extLst>
+      <p:ext uri="{C676402C-5697-4E1C-873F-D02D1690AC5C}">
+        <p15:threadingInfo xmlns:p15="http://schemas.microsoft.com/office/powerpoint/2012/main" timeZoneBias="-420"/>
+      </p:ext>
+    </p:extLst>
+  </p:cm>
+</p:cmLst>
+</file>
+
+<file path=ppt/comments/comment3.xml><?xml version="1.0" encoding="utf-8"?>
+<p:cmLst xmlns:a="http://schemas.openxmlformats.org/drawingml/2006/main" xmlns:r="http://schemas.openxmlformats.org/officeDocument/2006/relationships" xmlns:p="http://schemas.openxmlformats.org/presentationml/2006/main">
+  <p:cm authorId="1" dt="2021-04-20T13:08:56.585" idx="9">
+    <p:pos x="10" y="10"/>
+    <p:text>На данном слайде мы можем наблюдать фрагмент кода, который получает данные через функцию обратного вызова (callback), чтобы передать в функцию отрисовки актуального графика на карте необходимые данные в зависимости от территории и года</p:text>
+    <p:extLst>
+      <p:ext uri="{C676402C-5697-4E1C-873F-D02D1690AC5C}">
+        <p15:threadingInfo xmlns:p15="http://schemas.microsoft.com/office/powerpoint/2012/main" timeZoneBias="-420"/>
+      </p:ext>
+    </p:extLst>
+  </p:cm>
+</p:cmLst>
+</file>
+
+<file path=ppt/comments/comment4.xml><?xml version="1.0" encoding="utf-8"?>
+<p:cmLst xmlns:a="http://schemas.openxmlformats.org/drawingml/2006/main" xmlns:r="http://schemas.openxmlformats.org/officeDocument/2006/relationships" xmlns:p="http://schemas.openxmlformats.org/presentationml/2006/main">
+  <p:cm authorId="1" dt="2021-04-20T13:20:05.669" idx="10">
+    <p:pos x="10" y="10"/>
+    <p:text>На данном слайде мы видем пример работы нашей картографической системы. Сверху мы наблюдаем таймлайн, где мы можем выбрать время, для наблюдения актуальной статистики</p:text>
+    <p:extLst>
+      <p:ext uri="{C676402C-5697-4E1C-873F-D02D1690AC5C}">
+        <p15:threadingInfo xmlns:p15="http://schemas.microsoft.com/office/powerpoint/2012/main" timeZoneBias="-420"/>
+      </p:ext>
+    </p:extLst>
+  </p:cm>
+</p:cmLst>
+</file>
+
+<file path=ppt/comments/comment5.xml><?xml version="1.0" encoding="utf-8"?>
+<p:cmLst xmlns:a="http://schemas.openxmlformats.org/drawingml/2006/main" xmlns:r="http://schemas.openxmlformats.org/officeDocument/2006/relationships" xmlns:p="http://schemas.openxmlformats.org/presentationml/2006/main">
+  <p:cm authorId="1" dt="2021-04-20T13:21:11.886" idx="11">
+    <p:pos x="10" y="10"/>
+    <p:text>Данный элемент отображения графиков является не менее важным. Используя возможности библиотеки Plot.ly, мы можем выделить интересуещие нас районы на карте и сравнить их статистику по разным годам в различных социо-культурных категориях, выбирая их из выпадающего списка</p:text>
+    <p:extLst>
+      <p:ext uri="{C676402C-5697-4E1C-873F-D02D1690AC5C}">
+        <p15:threadingInfo xmlns:p15="http://schemas.microsoft.com/office/powerpoint/2012/main" timeZoneBias="-420"/>
+      </p:ext>
+    </p:extLst>
+  </p:cm>
+</p:cmLst>
+</file>
+
+<file path=ppt/comments/comment6.xml><?xml version="1.0" encoding="utf-8"?>
+<p:cmLst xmlns:a="http://schemas.openxmlformats.org/drawingml/2006/main" xmlns:r="http://schemas.openxmlformats.org/officeDocument/2006/relationships" xmlns:p="http://schemas.openxmlformats.org/presentationml/2006/main">
+  <p:cm authorId="1" dt="2021-04-20T13:24:47.091" idx="12">
+    <p:pos x="10" y="10"/>
+    <p:text>Здесь мы можем наблюдать общий вид сервиса со всем его функционалом, который работает сообща, реализуя возможности описанные в предыдущих слайдах</p:text>
+    <p:extLst>
+      <p:ext uri="{C676402C-5697-4E1C-873F-D02D1690AC5C}">
+        <p15:threadingInfo xmlns:p15="http://schemas.microsoft.com/office/powerpoint/2012/main" timeZoneBias="-420"/>
+      </p:ext>
+    </p:extLst>
+  </p:cm>
+</p:cmLst>
 </file>
 
 <file path=ppt/slideLayouts/slideLayout1.xml><?xml version="1.0" encoding="utf-8"?>
@@ -263,7 +409,7 @@
           <a:p>
             <a:fld id="{0E07E106-7C73-4EE6-8368-750C90024078}" type="datetimeFigureOut">
               <a:rPr lang="ru-RU" smtClean="0"/>
-              <a:t>18.04.2021</a:t>
+              <a:t>20.04.2021</a:t>
             </a:fld>
             <a:endParaRPr lang="ru-RU"/>
           </a:p>
@@ -461,7 +607,7 @@
           <a:p>
             <a:fld id="{0E07E106-7C73-4EE6-8368-750C90024078}" type="datetimeFigureOut">
               <a:rPr lang="ru-RU" smtClean="0"/>
-              <a:t>18.04.2021</a:t>
+              <a:t>20.04.2021</a:t>
             </a:fld>
             <a:endParaRPr lang="ru-RU"/>
           </a:p>
@@ -669,7 +815,7 @@
           <a:p>
             <a:fld id="{0E07E106-7C73-4EE6-8368-750C90024078}" type="datetimeFigureOut">
               <a:rPr lang="ru-RU" smtClean="0"/>
-              <a:t>18.04.2021</a:t>
+              <a:t>20.04.2021</a:t>
             </a:fld>
             <a:endParaRPr lang="ru-RU"/>
           </a:p>
@@ -867,7 +1013,7 @@
           <a:p>
             <a:fld id="{0E07E106-7C73-4EE6-8368-750C90024078}" type="datetimeFigureOut">
               <a:rPr lang="ru-RU" smtClean="0"/>
-              <a:t>18.04.2021</a:t>
+              <a:t>20.04.2021</a:t>
             </a:fld>
             <a:endParaRPr lang="ru-RU"/>
           </a:p>
@@ -1142,7 +1288,7 @@
           <a:p>
             <a:fld id="{0E07E106-7C73-4EE6-8368-750C90024078}" type="datetimeFigureOut">
               <a:rPr lang="ru-RU" smtClean="0"/>
-              <a:t>18.04.2021</a:t>
+              <a:t>20.04.2021</a:t>
             </a:fld>
             <a:endParaRPr lang="ru-RU"/>
           </a:p>
@@ -1407,7 +1553,7 @@
           <a:p>
             <a:fld id="{0E07E106-7C73-4EE6-8368-750C90024078}" type="datetimeFigureOut">
               <a:rPr lang="ru-RU" smtClean="0"/>
-              <a:t>18.04.2021</a:t>
+              <a:t>20.04.2021</a:t>
             </a:fld>
             <a:endParaRPr lang="ru-RU"/>
           </a:p>
@@ -1819,7 +1965,7 @@
           <a:p>
             <a:fld id="{0E07E106-7C73-4EE6-8368-750C90024078}" type="datetimeFigureOut">
               <a:rPr lang="ru-RU" smtClean="0"/>
-              <a:t>18.04.2021</a:t>
+              <a:t>20.04.2021</a:t>
             </a:fld>
             <a:endParaRPr lang="ru-RU"/>
           </a:p>
@@ -1960,7 +2106,7 @@
           <a:p>
             <a:fld id="{0E07E106-7C73-4EE6-8368-750C90024078}" type="datetimeFigureOut">
               <a:rPr lang="ru-RU" smtClean="0"/>
-              <a:t>18.04.2021</a:t>
+              <a:t>20.04.2021</a:t>
             </a:fld>
             <a:endParaRPr lang="ru-RU"/>
           </a:p>
@@ -2073,7 +2219,7 @@
           <a:p>
             <a:fld id="{0E07E106-7C73-4EE6-8368-750C90024078}" type="datetimeFigureOut">
               <a:rPr lang="ru-RU" smtClean="0"/>
-              <a:t>18.04.2021</a:t>
+              <a:t>20.04.2021</a:t>
             </a:fld>
             <a:endParaRPr lang="ru-RU"/>
           </a:p>
@@ -2384,7 +2530,7 @@
           <a:p>
             <a:fld id="{0E07E106-7C73-4EE6-8368-750C90024078}" type="datetimeFigureOut">
               <a:rPr lang="ru-RU" smtClean="0"/>
-              <a:t>18.04.2021</a:t>
+              <a:t>20.04.2021</a:t>
             </a:fld>
             <a:endParaRPr lang="ru-RU"/>
           </a:p>
@@ -2672,7 +2818,7 @@
           <a:p>
             <a:fld id="{0E07E106-7C73-4EE6-8368-750C90024078}" type="datetimeFigureOut">
               <a:rPr lang="ru-RU" smtClean="0"/>
-              <a:t>18.04.2021</a:t>
+              <a:t>20.04.2021</a:t>
             </a:fld>
             <a:endParaRPr lang="ru-RU"/>
           </a:p>
@@ -2913,7 +3059,7 @@
           <a:p>
             <a:fld id="{0E07E106-7C73-4EE6-8368-750C90024078}" type="datetimeFigureOut">
               <a:rPr lang="ru-RU" smtClean="0"/>
-              <a:t>18.04.2021</a:t>
+              <a:t>20.04.2021</a:t>
             </a:fld>
             <a:endParaRPr lang="ru-RU"/>
           </a:p>
@@ -3363,31 +3509,6 @@
           </a:p>
         </p:txBody>
       </p:sp>
-      <p:sp>
-        <p:nvSpPr>
-          <p:cNvPr id="3" name="Подзаголовок 2">
-            <a:extLst>
-              <a:ext uri="{FF2B5EF4-FFF2-40B4-BE49-F238E27FC236}">
-                <a16:creationId xmlns:a16="http://schemas.microsoft.com/office/drawing/2014/main" id="{EE11458E-9506-471D-BD42-B0CA4A6EA4E1}"/>
-              </a:ext>
-            </a:extLst>
-          </p:cNvPr>
-          <p:cNvSpPr>
-            <a:spLocks noGrp="1"/>
-          </p:cNvSpPr>
-          <p:nvPr>
-            <p:ph type="subTitle" idx="1"/>
-          </p:nvPr>
-        </p:nvSpPr>
-        <p:spPr/>
-        <p:txBody>
-          <a:bodyPr/>
-          <a:lstStyle/>
-          <a:p>
-            <a:endParaRPr lang="ru-RU"/>
-          </a:p>
-        </p:txBody>
-      </p:sp>
     </p:spTree>
     <p:extLst>
       <p:ext uri="{BB962C8B-B14F-4D97-AF65-F5344CB8AC3E}">
@@ -3434,37 +3555,21 @@
             <p:ph type="title"/>
           </p:nvPr>
         </p:nvSpPr>
-        <p:spPr/>
-        <p:txBody>
-          <a:bodyPr/>
-          <a:lstStyle/>
-          <a:p>
-            <a:endParaRPr lang="ru-RU"/>
-          </a:p>
-        </p:txBody>
-      </p:sp>
-      <p:sp>
-        <p:nvSpPr>
-          <p:cNvPr id="3" name="Объект 2">
-            <a:extLst>
-              <a:ext uri="{FF2B5EF4-FFF2-40B4-BE49-F238E27FC236}">
-                <a16:creationId xmlns:a16="http://schemas.microsoft.com/office/drawing/2014/main" id="{7BF53422-42EE-4082-AA9A-28088651E35F}"/>
-              </a:ext>
-            </a:extLst>
-          </p:cNvPr>
-          <p:cNvSpPr>
-            <a:spLocks noGrp="1"/>
-          </p:cNvSpPr>
-          <p:nvPr>
-            <p:ph idx="1"/>
-          </p:nvPr>
-        </p:nvSpPr>
-        <p:spPr/>
-        <p:txBody>
-          <a:bodyPr/>
-          <a:lstStyle/>
-          <a:p>
-            <a:endParaRPr lang="ru-RU"/>
+        <p:spPr>
+          <a:xfrm>
+            <a:off x="838200" y="365125"/>
+            <a:ext cx="10515600" cy="6061801"/>
+          </a:xfrm>
+        </p:spPr>
+        <p:txBody>
+          <a:bodyPr/>
+          <a:lstStyle/>
+          <a:p>
+            <a:pPr algn="ctr"/>
+            <a:r>
+              <a:rPr lang="ru-RU" dirty="0"/>
+              <a:t>Спасибо за внимание</a:t>
+            </a:r>
           </a:p>
         </p:txBody>
       </p:sp>
@@ -3519,7 +3624,10 @@
           <a:bodyPr/>
           <a:lstStyle/>
           <a:p>
-            <a:endParaRPr lang="ru-RU"/>
+            <a:r>
+              <a:rPr lang="ru-RU" dirty="0"/>
+              <a:t>Актуальность</a:t>
+            </a:r>
           </a:p>
         </p:txBody>
       </p:sp>
@@ -3544,7 +3652,22 @@
           <a:bodyPr/>
           <a:lstStyle/>
           <a:p>
-            <a:endParaRPr lang="ru-RU"/>
+            <a:r>
+              <a:rPr lang="ru-RU" dirty="0"/>
+              <a:t>Новая система ориентирования во времени и пространстве</a:t>
+            </a:r>
+          </a:p>
+          <a:p>
+            <a:r>
+              <a:rPr lang="ru-RU" dirty="0"/>
+              <a:t>Современные методы обработки информации</a:t>
+            </a:r>
+          </a:p>
+          <a:p>
+            <a:r>
+              <a:rPr lang="ru-RU" dirty="0"/>
+              <a:t>Доступность</a:t>
+            </a:r>
           </a:p>
         </p:txBody>
       </p:sp>
@@ -3599,7 +3722,10 @@
           <a:bodyPr/>
           <a:lstStyle/>
           <a:p>
-            <a:endParaRPr lang="ru-RU"/>
+            <a:r>
+              <a:rPr lang="ru-RU" dirty="0"/>
+              <a:t>Использованные сторонние технологии</a:t>
+            </a:r>
           </a:p>
         </p:txBody>
       </p:sp>
@@ -3624,7 +3750,37 @@
           <a:bodyPr/>
           <a:lstStyle/>
           <a:p>
-            <a:endParaRPr lang="ru-RU"/>
+            <a:r>
+              <a:rPr lang="en-US" dirty="0"/>
+              <a:t>DASH (Plot.ly </a:t>
+            </a:r>
+            <a:r>
+              <a:rPr lang="ru-RU" dirty="0"/>
+              <a:t>и </a:t>
+            </a:r>
+            <a:r>
+              <a:rPr lang="en-US" dirty="0"/>
+              <a:t>Flask)</a:t>
+            </a:r>
+          </a:p>
+          <a:p>
+            <a:r>
+              <a:rPr lang="en-US" dirty="0"/>
+              <a:t>Pandas</a:t>
+            </a:r>
+          </a:p>
+          <a:p>
+            <a:r>
+              <a:rPr lang="en-US" dirty="0"/>
+              <a:t>Cufflinks</a:t>
+            </a:r>
+          </a:p>
+          <a:p>
+            <a:r>
+              <a:rPr lang="en-US" dirty="0"/>
+              <a:t>GEOJSON</a:t>
+            </a:r>
+            <a:endParaRPr lang="ru-RU" dirty="0"/>
           </a:p>
         </p:txBody>
       </p:sp>
@@ -3679,7 +3835,11 @@
           <a:bodyPr/>
           <a:lstStyle/>
           <a:p>
-            <a:endParaRPr lang="ru-RU"/>
+            <a:r>
+              <a:rPr lang="en-US" dirty="0"/>
+              <a:t>ER</a:t>
+            </a:r>
+            <a:endParaRPr lang="ru-RU" dirty="0"/>
           </a:p>
         </p:txBody>
       </p:sp>
@@ -3743,7 +3903,7 @@
           <p:cNvPr id="2" name="Заголовок 1">
             <a:extLst>
               <a:ext uri="{FF2B5EF4-FFF2-40B4-BE49-F238E27FC236}">
-                <a16:creationId xmlns:a16="http://schemas.microsoft.com/office/drawing/2014/main" id="{370EB59F-147F-48DE-B4AD-EA4CAB9B9EF2}"/>
+                <a16:creationId xmlns:a16="http://schemas.microsoft.com/office/drawing/2014/main" id="{C06BA8E6-1D8C-49D0-9308-16B2212F0545}"/>
               </a:ext>
             </a:extLst>
           </p:cNvPr>
@@ -3759,7 +3919,10 @@
           <a:bodyPr/>
           <a:lstStyle/>
           <a:p>
-            <a:endParaRPr lang="ru-RU"/>
+            <a:r>
+              <a:rPr lang="ru-RU" dirty="0"/>
+              <a:t>Литература</a:t>
+            </a:r>
           </a:p>
         </p:txBody>
       </p:sp>
@@ -3768,7 +3931,7 @@
           <p:cNvPr id="3" name="Объект 2">
             <a:extLst>
               <a:ext uri="{FF2B5EF4-FFF2-40B4-BE49-F238E27FC236}">
-                <a16:creationId xmlns:a16="http://schemas.microsoft.com/office/drawing/2014/main" id="{001CC19F-407C-4038-BBA8-4618FA02064A}"/>
+                <a16:creationId xmlns:a16="http://schemas.microsoft.com/office/drawing/2014/main" id="{B7DB3928-8688-4AF4-BEC5-28C4B04E2F6D}"/>
               </a:ext>
             </a:extLst>
           </p:cNvPr>
@@ -3791,7 +3954,7 @@
     </p:spTree>
     <p:extLst>
       <p:ext uri="{BB962C8B-B14F-4D97-AF65-F5344CB8AC3E}">
-        <p14:creationId xmlns:p14="http://schemas.microsoft.com/office/powerpoint/2010/main" val="2455297589"/>
+        <p14:creationId xmlns:p14="http://schemas.microsoft.com/office/powerpoint/2010/main" val="778417101"/>
       </p:ext>
     </p:extLst>
   </p:cSld>
@@ -3818,60 +3981,46 @@
           <a:chExt cx="0" cy="0"/>
         </a:xfrm>
       </p:grpSpPr>
-      <p:sp>
-        <p:nvSpPr>
-          <p:cNvPr id="2" name="Заголовок 1">
-            <a:extLst>
-              <a:ext uri="{FF2B5EF4-FFF2-40B4-BE49-F238E27FC236}">
-                <a16:creationId xmlns:a16="http://schemas.microsoft.com/office/drawing/2014/main" id="{C06BA8E6-1D8C-49D0-9308-16B2212F0545}"/>
-              </a:ext>
-            </a:extLst>
-          </p:cNvPr>
-          <p:cNvSpPr>
-            <a:spLocks noGrp="1"/>
-          </p:cNvSpPr>
-          <p:nvPr>
-            <p:ph type="title"/>
-          </p:nvPr>
-        </p:nvSpPr>
-        <p:spPr/>
-        <p:txBody>
-          <a:bodyPr/>
-          <a:lstStyle/>
-          <a:p>
-            <a:endParaRPr lang="ru-RU"/>
-          </a:p>
-        </p:txBody>
-      </p:sp>
-      <p:sp>
-        <p:nvSpPr>
-          <p:cNvPr id="3" name="Объект 2">
-            <a:extLst>
-              <a:ext uri="{FF2B5EF4-FFF2-40B4-BE49-F238E27FC236}">
-                <a16:creationId xmlns:a16="http://schemas.microsoft.com/office/drawing/2014/main" id="{B7DB3928-8688-4AF4-BEC5-28C4B04E2F6D}"/>
-              </a:ext>
-            </a:extLst>
-          </p:cNvPr>
-          <p:cNvSpPr>
-            <a:spLocks noGrp="1"/>
-          </p:cNvSpPr>
-          <p:nvPr>
-            <p:ph idx="1"/>
-          </p:nvPr>
-        </p:nvSpPr>
-        <p:spPr/>
-        <p:txBody>
-          <a:bodyPr/>
-          <a:lstStyle/>
-          <a:p>
-            <a:endParaRPr lang="ru-RU"/>
-          </a:p>
-        </p:txBody>
-      </p:sp>
+      <p:pic>
+        <p:nvPicPr>
+          <p:cNvPr id="5" name="Рисунок 4">
+            <a:extLst>
+              <a:ext uri="{FF2B5EF4-FFF2-40B4-BE49-F238E27FC236}">
+                <a16:creationId xmlns:a16="http://schemas.microsoft.com/office/drawing/2014/main" id="{A81DCA3D-171F-4600-8F11-831D1F908A59}"/>
+              </a:ext>
+            </a:extLst>
+          </p:cNvPr>
+          <p:cNvPicPr>
+            <a:picLocks noChangeAspect="1"/>
+          </p:cNvPicPr>
+          <p:nvPr/>
+        </p:nvPicPr>
+        <p:blipFill>
+          <a:blip r:embed="rId2">
+            <a:extLst>
+              <a:ext uri="{28A0092B-C50C-407E-A947-70E740481C1C}">
+                <a14:useLocalDpi xmlns:a14="http://schemas.microsoft.com/office/drawing/2010/main" val="0"/>
+              </a:ext>
+            </a:extLst>
+          </a:blip>
+          <a:stretch>
+            <a:fillRect/>
+          </a:stretch>
+        </p:blipFill>
+        <p:spPr>
+          <a:xfrm>
+            <a:off x="2998154" y="645511"/>
+            <a:ext cx="6195692" cy="5566977"/>
+          </a:xfrm>
+          <a:prstGeom prst="rect">
+            <a:avLst/>
+          </a:prstGeom>
+        </p:spPr>
+      </p:pic>
     </p:spTree>
     <p:extLst>
       <p:ext uri="{BB962C8B-B14F-4D97-AF65-F5344CB8AC3E}">
-        <p14:creationId xmlns:p14="http://schemas.microsoft.com/office/powerpoint/2010/main" val="778417101"/>
+        <p14:creationId xmlns:p14="http://schemas.microsoft.com/office/powerpoint/2010/main" val="2455297589"/>
       </p:ext>
     </p:extLst>
   </p:cSld>
@@ -3898,56 +4047,42 @@
           <a:chExt cx="0" cy="0"/>
         </a:xfrm>
       </p:grpSpPr>
-      <p:sp>
-        <p:nvSpPr>
-          <p:cNvPr id="2" name="Заголовок 1">
-            <a:extLst>
-              <a:ext uri="{FF2B5EF4-FFF2-40B4-BE49-F238E27FC236}">
-                <a16:creationId xmlns:a16="http://schemas.microsoft.com/office/drawing/2014/main" id="{B331B682-17A6-44D6-A0D4-14EBB613139C}"/>
-              </a:ext>
-            </a:extLst>
-          </p:cNvPr>
-          <p:cNvSpPr>
-            <a:spLocks noGrp="1"/>
-          </p:cNvSpPr>
-          <p:nvPr>
-            <p:ph type="title"/>
-          </p:nvPr>
-        </p:nvSpPr>
-        <p:spPr/>
-        <p:txBody>
-          <a:bodyPr/>
-          <a:lstStyle/>
-          <a:p>
-            <a:endParaRPr lang="ru-RU"/>
-          </a:p>
-        </p:txBody>
-      </p:sp>
-      <p:sp>
-        <p:nvSpPr>
-          <p:cNvPr id="3" name="Объект 2">
-            <a:extLst>
-              <a:ext uri="{FF2B5EF4-FFF2-40B4-BE49-F238E27FC236}">
-                <a16:creationId xmlns:a16="http://schemas.microsoft.com/office/drawing/2014/main" id="{18E1CB2E-054C-4492-86D0-A632E75CAD0A}"/>
-              </a:ext>
-            </a:extLst>
-          </p:cNvPr>
-          <p:cNvSpPr>
-            <a:spLocks noGrp="1"/>
-          </p:cNvSpPr>
-          <p:nvPr>
-            <p:ph idx="1"/>
-          </p:nvPr>
-        </p:nvSpPr>
-        <p:spPr/>
-        <p:txBody>
-          <a:bodyPr/>
-          <a:lstStyle/>
-          <a:p>
-            <a:endParaRPr lang="ru-RU"/>
-          </a:p>
-        </p:txBody>
-      </p:sp>
+      <p:pic>
+        <p:nvPicPr>
+          <p:cNvPr id="5" name="Рисунок 4">
+            <a:extLst>
+              <a:ext uri="{FF2B5EF4-FFF2-40B4-BE49-F238E27FC236}">
+                <a16:creationId xmlns:a16="http://schemas.microsoft.com/office/drawing/2014/main" id="{072BEB37-B342-4B51-ABE8-369D061AEDB6}"/>
+              </a:ext>
+            </a:extLst>
+          </p:cNvPr>
+          <p:cNvPicPr>
+            <a:picLocks noChangeAspect="1"/>
+          </p:cNvPicPr>
+          <p:nvPr/>
+        </p:nvPicPr>
+        <p:blipFill>
+          <a:blip r:embed="rId2">
+            <a:extLst>
+              <a:ext uri="{28A0092B-C50C-407E-A947-70E740481C1C}">
+                <a14:useLocalDpi xmlns:a14="http://schemas.microsoft.com/office/drawing/2010/main" val="0"/>
+              </a:ext>
+            </a:extLst>
+          </a:blip>
+          <a:stretch>
+            <a:fillRect/>
+          </a:stretch>
+        </p:blipFill>
+        <p:spPr>
+          <a:xfrm>
+            <a:off x="2043154" y="0"/>
+            <a:ext cx="8105691" cy="6858000"/>
+          </a:xfrm>
+          <a:prstGeom prst="rect">
+            <a:avLst/>
+          </a:prstGeom>
+        </p:spPr>
+      </p:pic>
     </p:spTree>
     <p:extLst>
       <p:ext uri="{BB962C8B-B14F-4D97-AF65-F5344CB8AC3E}">
@@ -3978,60 +4113,46 @@
           <a:chExt cx="0" cy="0"/>
         </a:xfrm>
       </p:grpSpPr>
-      <p:sp>
-        <p:nvSpPr>
-          <p:cNvPr id="2" name="Заголовок 1">
-            <a:extLst>
-              <a:ext uri="{FF2B5EF4-FFF2-40B4-BE49-F238E27FC236}">
-                <a16:creationId xmlns:a16="http://schemas.microsoft.com/office/drawing/2014/main" id="{ACD15791-6899-41D1-8D5E-6431EC8DA0FA}"/>
-              </a:ext>
-            </a:extLst>
-          </p:cNvPr>
-          <p:cNvSpPr>
-            <a:spLocks noGrp="1"/>
-          </p:cNvSpPr>
-          <p:nvPr>
-            <p:ph type="title"/>
-          </p:nvPr>
-        </p:nvSpPr>
-        <p:spPr/>
-        <p:txBody>
-          <a:bodyPr/>
-          <a:lstStyle/>
-          <a:p>
-            <a:endParaRPr lang="ru-RU"/>
-          </a:p>
-        </p:txBody>
-      </p:sp>
-      <p:sp>
-        <p:nvSpPr>
-          <p:cNvPr id="3" name="Объект 2">
-            <a:extLst>
-              <a:ext uri="{FF2B5EF4-FFF2-40B4-BE49-F238E27FC236}">
-                <a16:creationId xmlns:a16="http://schemas.microsoft.com/office/drawing/2014/main" id="{5CC9B825-F21B-45E6-89F9-04244B86F07E}"/>
-              </a:ext>
-            </a:extLst>
-          </p:cNvPr>
-          <p:cNvSpPr>
-            <a:spLocks noGrp="1"/>
-          </p:cNvSpPr>
-          <p:nvPr>
-            <p:ph idx="1"/>
-          </p:nvPr>
-        </p:nvSpPr>
-        <p:spPr/>
-        <p:txBody>
-          <a:bodyPr/>
-          <a:lstStyle/>
-          <a:p>
-            <a:endParaRPr lang="ru-RU"/>
-          </a:p>
-        </p:txBody>
-      </p:sp>
+      <p:pic>
+        <p:nvPicPr>
+          <p:cNvPr id="5" name="Рисунок 4">
+            <a:extLst>
+              <a:ext uri="{FF2B5EF4-FFF2-40B4-BE49-F238E27FC236}">
+                <a16:creationId xmlns:a16="http://schemas.microsoft.com/office/drawing/2014/main" id="{6244DA48-3CE6-47BE-8C75-EBB8B23B3FD8}"/>
+              </a:ext>
+            </a:extLst>
+          </p:cNvPr>
+          <p:cNvPicPr>
+            <a:picLocks noChangeAspect="1"/>
+          </p:cNvPicPr>
+          <p:nvPr/>
+        </p:nvPicPr>
+        <p:blipFill>
+          <a:blip r:embed="rId2">
+            <a:extLst>
+              <a:ext uri="{28A0092B-C50C-407E-A947-70E740481C1C}">
+                <a14:useLocalDpi xmlns:a14="http://schemas.microsoft.com/office/drawing/2010/main" val="0"/>
+              </a:ext>
+            </a:extLst>
+          </a:blip>
+          <a:stretch>
+            <a:fillRect/>
+          </a:stretch>
+        </p:blipFill>
+        <p:spPr>
+          <a:xfrm>
+            <a:off x="2426669" y="0"/>
+            <a:ext cx="7338661" cy="6858000"/>
+          </a:xfrm>
+          <a:prstGeom prst="rect">
+            <a:avLst/>
+          </a:prstGeom>
+        </p:spPr>
+      </p:pic>
     </p:spTree>
     <p:extLst>
       <p:ext uri="{BB962C8B-B14F-4D97-AF65-F5344CB8AC3E}">
-        <p14:creationId xmlns:p14="http://schemas.microsoft.com/office/powerpoint/2010/main" val="2264011742"/>
+        <p14:creationId xmlns:p14="http://schemas.microsoft.com/office/powerpoint/2010/main" val="268459451"/>
       </p:ext>
     </p:extLst>
   </p:cSld>
@@ -4058,60 +4179,46 @@
           <a:chExt cx="0" cy="0"/>
         </a:xfrm>
       </p:grpSpPr>
-      <p:sp>
-        <p:nvSpPr>
-          <p:cNvPr id="2" name="Заголовок 1">
-            <a:extLst>
-              <a:ext uri="{FF2B5EF4-FFF2-40B4-BE49-F238E27FC236}">
-                <a16:creationId xmlns:a16="http://schemas.microsoft.com/office/drawing/2014/main" id="{3371AC96-A60D-4ACB-A122-0BB080019987}"/>
-              </a:ext>
-            </a:extLst>
-          </p:cNvPr>
-          <p:cNvSpPr>
-            <a:spLocks noGrp="1"/>
-          </p:cNvSpPr>
-          <p:nvPr>
-            <p:ph type="title"/>
-          </p:nvPr>
-        </p:nvSpPr>
-        <p:spPr/>
-        <p:txBody>
-          <a:bodyPr/>
-          <a:lstStyle/>
-          <a:p>
-            <a:endParaRPr lang="ru-RU"/>
-          </a:p>
-        </p:txBody>
-      </p:sp>
-      <p:sp>
-        <p:nvSpPr>
-          <p:cNvPr id="3" name="Объект 2">
-            <a:extLst>
-              <a:ext uri="{FF2B5EF4-FFF2-40B4-BE49-F238E27FC236}">
-                <a16:creationId xmlns:a16="http://schemas.microsoft.com/office/drawing/2014/main" id="{DF819774-2240-4B9B-A79E-9F50E3247BDF}"/>
-              </a:ext>
-            </a:extLst>
-          </p:cNvPr>
-          <p:cNvSpPr>
-            <a:spLocks noGrp="1"/>
-          </p:cNvSpPr>
-          <p:nvPr>
-            <p:ph idx="1"/>
-          </p:nvPr>
-        </p:nvSpPr>
-        <p:spPr/>
-        <p:txBody>
-          <a:bodyPr/>
-          <a:lstStyle/>
-          <a:p>
-            <a:endParaRPr lang="ru-RU"/>
-          </a:p>
-        </p:txBody>
-      </p:sp>
+      <p:pic>
+        <p:nvPicPr>
+          <p:cNvPr id="5" name="Рисунок 4">
+            <a:extLst>
+              <a:ext uri="{FF2B5EF4-FFF2-40B4-BE49-F238E27FC236}">
+                <a16:creationId xmlns:a16="http://schemas.microsoft.com/office/drawing/2014/main" id="{4514852C-DCC2-402C-9ACD-96510E59F9AD}"/>
+              </a:ext>
+            </a:extLst>
+          </p:cNvPr>
+          <p:cNvPicPr>
+            <a:picLocks noChangeAspect="1"/>
+          </p:cNvPicPr>
+          <p:nvPr/>
+        </p:nvPicPr>
+        <p:blipFill>
+          <a:blip r:embed="rId2">
+            <a:extLst>
+              <a:ext uri="{28A0092B-C50C-407E-A947-70E740481C1C}">
+                <a14:useLocalDpi xmlns:a14="http://schemas.microsoft.com/office/drawing/2010/main" val="0"/>
+              </a:ext>
+            </a:extLst>
+          </a:blip>
+          <a:stretch>
+            <a:fillRect/>
+          </a:stretch>
+        </p:blipFill>
+        <p:spPr>
+          <a:xfrm>
+            <a:off x="0" y="745416"/>
+            <a:ext cx="12192000" cy="5367167"/>
+          </a:xfrm>
+          <a:prstGeom prst="rect">
+            <a:avLst/>
+          </a:prstGeom>
+        </p:spPr>
+      </p:pic>
     </p:spTree>
     <p:extLst>
       <p:ext uri="{BB962C8B-B14F-4D97-AF65-F5344CB8AC3E}">
-        <p14:creationId xmlns:p14="http://schemas.microsoft.com/office/powerpoint/2010/main" val="268459451"/>
+        <p14:creationId xmlns:p14="http://schemas.microsoft.com/office/powerpoint/2010/main" val="2264011742"/>
       </p:ext>
     </p:extLst>
   </p:cSld>

--- a/stats/Семантическая картографическая информационная система представления статистических данных по.pptx
+++ b/stats/Семантическая картографическая информационная система представления статистических данных по.pptx
@@ -8,13 +8,13 @@
     <p:sldId id="256" r:id="rId2"/>
     <p:sldId id="257" r:id="rId3"/>
     <p:sldId id="258" r:id="rId4"/>
-    <p:sldId id="259" r:id="rId5"/>
-    <p:sldId id="261" r:id="rId6"/>
+    <p:sldId id="266" r:id="rId5"/>
+    <p:sldId id="259" r:id="rId6"/>
     <p:sldId id="260" r:id="rId7"/>
     <p:sldId id="262" r:id="rId8"/>
     <p:sldId id="264" r:id="rId9"/>
     <p:sldId id="263" r:id="rId10"/>
-    <p:sldId id="265" r:id="rId11"/>
+    <p:sldId id="267" r:id="rId11"/>
   </p:sldIdLst>
   <p:sldSz cx="12192000" cy="6858000"/>
   <p:notesSz cx="6858000" cy="9144000"/>
@@ -115,7 +115,18 @@
   </p:defaultTextStyle>
   <p:extLst>
     <p:ext uri="{EFAFB233-063F-42B5-8137-9DF3F51BA10A}">
-      <p15:sldGuideLst xmlns:p15="http://schemas.microsoft.com/office/powerpoint/2012/main"/>
+      <p15:sldGuideLst xmlns:p15="http://schemas.microsoft.com/office/powerpoint/2012/main">
+        <p15:guide id="1" orient="horz" pos="2160">
+          <p15:clr>
+            <a:srgbClr val="A4A3A4"/>
+          </p15:clr>
+        </p15:guide>
+        <p15:guide id="2" pos="3840">
+          <p15:clr>
+            <a:srgbClr val="A4A3A4"/>
+          </p15:clr>
+        </p15:guide>
+      </p15:sldGuideLst>
     </p:ext>
   </p:extLst>
 </p:presentation>
@@ -3492,7 +3503,12 @@
             <p:ph type="ctrTitle"/>
           </p:nvPr>
         </p:nvSpPr>
-        <p:spPr/>
+        <p:spPr>
+          <a:xfrm>
+            <a:off x="1524000" y="1122362"/>
+            <a:ext cx="9144000" cy="3197967"/>
+          </a:xfrm>
+        </p:spPr>
         <p:txBody>
           <a:bodyPr>
             <a:normAutofit/>
@@ -3544,7 +3560,7 @@
           <p:cNvPr id="2" name="Заголовок 1">
             <a:extLst>
               <a:ext uri="{FF2B5EF4-FFF2-40B4-BE49-F238E27FC236}">
-                <a16:creationId xmlns:a16="http://schemas.microsoft.com/office/drawing/2014/main" id="{123F968E-4792-40B0-8A94-F0963A0406C0}"/>
+                <a16:creationId xmlns:a16="http://schemas.microsoft.com/office/drawing/2014/main" id="{692B2FB7-94A0-4B27-8325-89FC78A978FD}"/>
               </a:ext>
             </a:extLst>
           </p:cNvPr>
@@ -3555,20 +3571,48 @@
             <p:ph type="title"/>
           </p:nvPr>
         </p:nvSpPr>
-        <p:spPr>
-          <a:xfrm>
-            <a:off x="838200" y="365125"/>
-            <a:ext cx="10515600" cy="6061801"/>
-          </a:xfrm>
-        </p:spPr>
-        <p:txBody>
-          <a:bodyPr/>
-          <a:lstStyle/>
-          <a:p>
-            <a:pPr algn="ctr"/>
+        <p:spPr/>
+        <p:txBody>
+          <a:bodyPr/>
+          <a:lstStyle/>
+          <a:p>
             <a:r>
               <a:rPr lang="ru-RU" dirty="0"/>
-              <a:t>Спасибо за внимание</a:t>
+              <a:t>Доработка</a:t>
+            </a:r>
+          </a:p>
+        </p:txBody>
+      </p:sp>
+      <p:sp>
+        <p:nvSpPr>
+          <p:cNvPr id="3" name="Объект 2">
+            <a:extLst>
+              <a:ext uri="{FF2B5EF4-FFF2-40B4-BE49-F238E27FC236}">
+                <a16:creationId xmlns:a16="http://schemas.microsoft.com/office/drawing/2014/main" id="{6E3C8826-F070-4284-B25F-C6BFB8A6DA4C}"/>
+              </a:ext>
+            </a:extLst>
+          </p:cNvPr>
+          <p:cNvSpPr>
+            <a:spLocks noGrp="1"/>
+          </p:cNvSpPr>
+          <p:nvPr>
+            <p:ph idx="1"/>
+          </p:nvPr>
+        </p:nvSpPr>
+        <p:spPr/>
+        <p:txBody>
+          <a:bodyPr/>
+          <a:lstStyle/>
+          <a:p>
+            <a:r>
+              <a:rPr lang="ru-RU" dirty="0"/>
+              <a:t>Добавление большей интерактивности при взаимодействии с картой края</a:t>
+            </a:r>
+          </a:p>
+          <a:p>
+            <a:r>
+              <a:rPr lang="ru-RU" dirty="0"/>
+              <a:t>Расширение и актуализация базы данных</a:t>
             </a:r>
           </a:p>
         </p:txBody>
@@ -3576,7 +3620,7 @@
     </p:spTree>
     <p:extLst>
       <p:ext uri="{BB962C8B-B14F-4D97-AF65-F5344CB8AC3E}">
-        <p14:creationId xmlns:p14="http://schemas.microsoft.com/office/powerpoint/2010/main" val="1955896780"/>
+        <p14:creationId xmlns:p14="http://schemas.microsoft.com/office/powerpoint/2010/main" val="4072189755"/>
       </p:ext>
     </p:extLst>
   </p:cSld>
@@ -3654,19 +3698,27 @@
           <a:p>
             <a:r>
               <a:rPr lang="ru-RU" dirty="0"/>
-              <a:t>Новая система ориентирования во времени и пространстве</a:t>
+              <a:t>Разрабатываемая система для представления статистики, привязанной к карте Алтайского края и различным временным интервалам</a:t>
             </a:r>
           </a:p>
           <a:p>
             <a:r>
               <a:rPr lang="ru-RU" dirty="0"/>
-              <a:t>Современные методы обработки информации</a:t>
+              <a:t>Используются современные методы обработки данных</a:t>
             </a:r>
           </a:p>
           <a:p>
             <a:r>
               <a:rPr lang="ru-RU" dirty="0"/>
-              <a:t>Доступность</a:t>
+              <a:t>Доступ к ресурсу через </a:t>
+            </a:r>
+            <a:r>
+              <a:rPr lang="en-US" dirty="0"/>
+              <a:t>web-</a:t>
+            </a:r>
+            <a:r>
+              <a:rPr lang="ru-RU" dirty="0"/>
+              <a:t>интерфейс</a:t>
             </a:r>
           </a:p>
         </p:txBody>
@@ -3819,7 +3871,7 @@
           <p:cNvPr id="2" name="Заголовок 1">
             <a:extLst>
               <a:ext uri="{FF2B5EF4-FFF2-40B4-BE49-F238E27FC236}">
-                <a16:creationId xmlns:a16="http://schemas.microsoft.com/office/drawing/2014/main" id="{341B9ED2-4B81-411A-B628-0EAC438E0CE2}"/>
+                <a16:creationId xmlns:a16="http://schemas.microsoft.com/office/drawing/2014/main" id="{0499C46B-F0A3-4073-8F46-51ECDA4F508A}"/>
               </a:ext>
             </a:extLst>
           </p:cNvPr>
@@ -3836,10 +3888,9 @@
           <a:lstStyle/>
           <a:p>
             <a:r>
-              <a:rPr lang="en-US" dirty="0"/>
-              <a:t>ER</a:t>
-            </a:r>
-            <a:endParaRPr lang="ru-RU" dirty="0"/>
+              <a:rPr lang="ru-RU" dirty="0"/>
+              <a:t>Цель</a:t>
+            </a:r>
           </a:p>
         </p:txBody>
       </p:sp>
@@ -3848,7 +3899,7 @@
           <p:cNvPr id="3" name="Объект 2">
             <a:extLst>
               <a:ext uri="{FF2B5EF4-FFF2-40B4-BE49-F238E27FC236}">
-                <a16:creationId xmlns:a16="http://schemas.microsoft.com/office/drawing/2014/main" id="{901160E8-B0F8-41E7-A811-CCBDCBBB92DE}"/>
+                <a16:creationId xmlns:a16="http://schemas.microsoft.com/office/drawing/2014/main" id="{73F28D88-7A94-4143-9562-3C10C987F043}"/>
               </a:ext>
             </a:extLst>
           </p:cNvPr>
@@ -3871,7 +3922,7 @@
     </p:spTree>
     <p:extLst>
       <p:ext uri="{BB962C8B-B14F-4D97-AF65-F5344CB8AC3E}">
-        <p14:creationId xmlns:p14="http://schemas.microsoft.com/office/powerpoint/2010/main" val="3547439727"/>
+        <p14:creationId xmlns:p14="http://schemas.microsoft.com/office/powerpoint/2010/main" val="281899688"/>
       </p:ext>
     </p:extLst>
   </p:cSld>
@@ -3903,7 +3954,7 @@
           <p:cNvPr id="2" name="Заголовок 1">
             <a:extLst>
               <a:ext uri="{FF2B5EF4-FFF2-40B4-BE49-F238E27FC236}">
-                <a16:creationId xmlns:a16="http://schemas.microsoft.com/office/drawing/2014/main" id="{C06BA8E6-1D8C-49D0-9308-16B2212F0545}"/>
+                <a16:creationId xmlns:a16="http://schemas.microsoft.com/office/drawing/2014/main" id="{341B9ED2-4B81-411A-B628-0EAC438E0CE2}"/>
               </a:ext>
             </a:extLst>
           </p:cNvPr>
@@ -3920,9 +3971,10 @@
           <a:lstStyle/>
           <a:p>
             <a:r>
-              <a:rPr lang="ru-RU" dirty="0"/>
-              <a:t>Литература</a:t>
-            </a:r>
+              <a:rPr lang="en-US" dirty="0"/>
+              <a:t>ER</a:t>
+            </a:r>
+            <a:endParaRPr lang="ru-RU" dirty="0"/>
           </a:p>
         </p:txBody>
       </p:sp>
@@ -3931,7 +3983,7 @@
           <p:cNvPr id="3" name="Объект 2">
             <a:extLst>
               <a:ext uri="{FF2B5EF4-FFF2-40B4-BE49-F238E27FC236}">
-                <a16:creationId xmlns:a16="http://schemas.microsoft.com/office/drawing/2014/main" id="{B7DB3928-8688-4AF4-BEC5-28C4B04E2F6D}"/>
+                <a16:creationId xmlns:a16="http://schemas.microsoft.com/office/drawing/2014/main" id="{901160E8-B0F8-41E7-A811-CCBDCBBB92DE}"/>
               </a:ext>
             </a:extLst>
           </p:cNvPr>
@@ -3954,7 +4006,7 @@
     </p:spTree>
     <p:extLst>
       <p:ext uri="{BB962C8B-B14F-4D97-AF65-F5344CB8AC3E}">
-        <p14:creationId xmlns:p14="http://schemas.microsoft.com/office/powerpoint/2010/main" val="778417101"/>
+        <p14:creationId xmlns:p14="http://schemas.microsoft.com/office/powerpoint/2010/main" val="3547439727"/>
       </p:ext>
     </p:extLst>
   </p:cSld>
@@ -3983,10 +4035,10 @@
       </p:grpSpPr>
       <p:pic>
         <p:nvPicPr>
-          <p:cNvPr id="5" name="Рисунок 4">
-            <a:extLst>
-              <a:ext uri="{FF2B5EF4-FFF2-40B4-BE49-F238E27FC236}">
-                <a16:creationId xmlns:a16="http://schemas.microsoft.com/office/drawing/2014/main" id="{A81DCA3D-171F-4600-8F11-831D1F908A59}"/>
+          <p:cNvPr id="3" name="Рисунок 2">
+            <a:extLst>
+              <a:ext uri="{FF2B5EF4-FFF2-40B4-BE49-F238E27FC236}">
+                <a16:creationId xmlns:a16="http://schemas.microsoft.com/office/drawing/2014/main" id="{441E11EE-1B4F-44B2-82E3-ACE83DC386C0}"/>
               </a:ext>
             </a:extLst>
           </p:cNvPr>
@@ -4009,14 +4061,324 @@
         </p:blipFill>
         <p:spPr>
           <a:xfrm>
-            <a:off x="2998154" y="645511"/>
-            <a:ext cx="6195692" cy="5566977"/>
+            <a:off x="621104" y="327171"/>
+            <a:ext cx="3158169" cy="2474752"/>
           </a:xfrm>
           <a:prstGeom prst="rect">
             <a:avLst/>
           </a:prstGeom>
         </p:spPr>
       </p:pic>
+      <p:cxnSp>
+        <p:nvCxnSpPr>
+          <p:cNvPr id="6" name="Прямая со стрелкой 5">
+            <a:extLst>
+              <a:ext uri="{FF2B5EF4-FFF2-40B4-BE49-F238E27FC236}">
+                <a16:creationId xmlns:a16="http://schemas.microsoft.com/office/drawing/2014/main" id="{9C31AE76-76EA-4EFF-B2A3-97756A0ABB9B}"/>
+              </a:ext>
+            </a:extLst>
+          </p:cNvPr>
+          <p:cNvCxnSpPr>
+            <a:stCxn id="3" idx="3"/>
+          </p:cNvCxnSpPr>
+          <p:nvPr/>
+        </p:nvCxnSpPr>
+        <p:spPr>
+          <a:xfrm flipV="1">
+            <a:off x="3779273" y="1543574"/>
+            <a:ext cx="608169" cy="20973"/>
+          </a:xfrm>
+          <a:prstGeom prst="straightConnector1">
+            <a:avLst/>
+          </a:prstGeom>
+          <a:ln>
+            <a:tailEnd type="triangle"/>
+          </a:ln>
+        </p:spPr>
+        <p:style>
+          <a:lnRef idx="1">
+            <a:schemeClr val="accent1"/>
+          </a:lnRef>
+          <a:fillRef idx="0">
+            <a:schemeClr val="accent1"/>
+          </a:fillRef>
+          <a:effectRef idx="0">
+            <a:schemeClr val="accent1"/>
+          </a:effectRef>
+          <a:fontRef idx="minor">
+            <a:schemeClr val="tx1"/>
+          </a:fontRef>
+        </p:style>
+      </p:cxnSp>
+      <p:pic>
+        <p:nvPicPr>
+          <p:cNvPr id="8" name="Рисунок 7">
+            <a:extLst>
+              <a:ext uri="{FF2B5EF4-FFF2-40B4-BE49-F238E27FC236}">
+                <a16:creationId xmlns:a16="http://schemas.microsoft.com/office/drawing/2014/main" id="{B421B97F-8DD5-401F-9822-FA6EA349FDA5}"/>
+              </a:ext>
+            </a:extLst>
+          </p:cNvPr>
+          <p:cNvPicPr>
+            <a:picLocks noChangeAspect="1"/>
+          </p:cNvPicPr>
+          <p:nvPr/>
+        </p:nvPicPr>
+        <p:blipFill>
+          <a:blip r:embed="rId3">
+            <a:extLst>
+              <a:ext uri="{28A0092B-C50C-407E-A947-70E740481C1C}">
+                <a14:useLocalDpi xmlns:a14="http://schemas.microsoft.com/office/drawing/2010/main" val="0"/>
+              </a:ext>
+            </a:extLst>
+          </a:blip>
+          <a:stretch>
+            <a:fillRect/>
+          </a:stretch>
+        </p:blipFill>
+        <p:spPr>
+          <a:xfrm>
+            <a:off x="4387442" y="818402"/>
+            <a:ext cx="3287025" cy="1450344"/>
+          </a:xfrm>
+          <a:prstGeom prst="rect">
+            <a:avLst/>
+          </a:prstGeom>
+        </p:spPr>
+      </p:pic>
+      <p:cxnSp>
+        <p:nvCxnSpPr>
+          <p:cNvPr id="10" name="Прямая со стрелкой 9">
+            <a:extLst>
+              <a:ext uri="{FF2B5EF4-FFF2-40B4-BE49-F238E27FC236}">
+                <a16:creationId xmlns:a16="http://schemas.microsoft.com/office/drawing/2014/main" id="{876E9F6D-597D-4BE5-A1D0-B654697943D5}"/>
+              </a:ext>
+            </a:extLst>
+          </p:cNvPr>
+          <p:cNvCxnSpPr>
+            <a:stCxn id="8" idx="3"/>
+          </p:cNvCxnSpPr>
+          <p:nvPr/>
+        </p:nvCxnSpPr>
+        <p:spPr>
+          <a:xfrm>
+            <a:off x="7674467" y="1543574"/>
+            <a:ext cx="412520" cy="0"/>
+          </a:xfrm>
+          <a:prstGeom prst="straightConnector1">
+            <a:avLst/>
+          </a:prstGeom>
+          <a:ln>
+            <a:tailEnd type="triangle"/>
+          </a:ln>
+        </p:spPr>
+        <p:style>
+          <a:lnRef idx="1">
+            <a:schemeClr val="accent1"/>
+          </a:lnRef>
+          <a:fillRef idx="0">
+            <a:schemeClr val="accent1"/>
+          </a:fillRef>
+          <a:effectRef idx="0">
+            <a:schemeClr val="accent1"/>
+          </a:effectRef>
+          <a:fontRef idx="minor">
+            <a:schemeClr val="tx1"/>
+          </a:fontRef>
+        </p:style>
+      </p:cxnSp>
+      <p:pic>
+        <p:nvPicPr>
+          <p:cNvPr id="12" name="Рисунок 11">
+            <a:extLst>
+              <a:ext uri="{FF2B5EF4-FFF2-40B4-BE49-F238E27FC236}">
+                <a16:creationId xmlns:a16="http://schemas.microsoft.com/office/drawing/2014/main" id="{01183227-2437-4707-AF2F-B743A114E592}"/>
+              </a:ext>
+            </a:extLst>
+          </p:cNvPr>
+          <p:cNvPicPr>
+            <a:picLocks noChangeAspect="1"/>
+          </p:cNvPicPr>
+          <p:nvPr/>
+        </p:nvPicPr>
+        <p:blipFill>
+          <a:blip r:embed="rId4">
+            <a:extLst>
+              <a:ext uri="{28A0092B-C50C-407E-A947-70E740481C1C}">
+                <a14:useLocalDpi xmlns:a14="http://schemas.microsoft.com/office/drawing/2010/main" val="0"/>
+              </a:ext>
+            </a:extLst>
+          </a:blip>
+          <a:stretch>
+            <a:fillRect/>
+          </a:stretch>
+        </p:blipFill>
+        <p:spPr>
+          <a:xfrm>
+            <a:off x="8086987" y="818402"/>
+            <a:ext cx="3843447" cy="1610513"/>
+          </a:xfrm>
+          <a:prstGeom prst="rect">
+            <a:avLst/>
+          </a:prstGeom>
+        </p:spPr>
+      </p:pic>
+      <p:pic>
+        <p:nvPicPr>
+          <p:cNvPr id="14" name="Рисунок 13">
+            <a:extLst>
+              <a:ext uri="{FF2B5EF4-FFF2-40B4-BE49-F238E27FC236}">
+                <a16:creationId xmlns:a16="http://schemas.microsoft.com/office/drawing/2014/main" id="{EC2CAB42-FDDE-4DEE-8621-676E580BEB87}"/>
+              </a:ext>
+            </a:extLst>
+          </p:cNvPr>
+          <p:cNvPicPr>
+            <a:picLocks noChangeAspect="1"/>
+          </p:cNvPicPr>
+          <p:nvPr/>
+        </p:nvPicPr>
+        <p:blipFill>
+          <a:blip r:embed="rId5">
+            <a:extLst>
+              <a:ext uri="{28A0092B-C50C-407E-A947-70E740481C1C}">
+                <a14:useLocalDpi xmlns:a14="http://schemas.microsoft.com/office/drawing/2010/main" val="0"/>
+              </a:ext>
+            </a:extLst>
+          </a:blip>
+          <a:stretch>
+            <a:fillRect/>
+          </a:stretch>
+        </p:blipFill>
+        <p:spPr>
+          <a:xfrm>
+            <a:off x="6979108" y="2895508"/>
+            <a:ext cx="3498222" cy="3651297"/>
+          </a:xfrm>
+          <a:prstGeom prst="rect">
+            <a:avLst/>
+          </a:prstGeom>
+        </p:spPr>
+      </p:pic>
+      <p:pic>
+        <p:nvPicPr>
+          <p:cNvPr id="16" name="Рисунок 15">
+            <a:extLst>
+              <a:ext uri="{FF2B5EF4-FFF2-40B4-BE49-F238E27FC236}">
+                <a16:creationId xmlns:a16="http://schemas.microsoft.com/office/drawing/2014/main" id="{49508B6E-861F-4C53-8668-0E674AB222CB}"/>
+              </a:ext>
+            </a:extLst>
+          </p:cNvPr>
+          <p:cNvPicPr>
+            <a:picLocks noChangeAspect="1"/>
+          </p:cNvPicPr>
+          <p:nvPr/>
+        </p:nvPicPr>
+        <p:blipFill>
+          <a:blip r:embed="rId6">
+            <a:extLst>
+              <a:ext uri="{28A0092B-C50C-407E-A947-70E740481C1C}">
+                <a14:useLocalDpi xmlns:a14="http://schemas.microsoft.com/office/drawing/2010/main" val="0"/>
+              </a:ext>
+            </a:extLst>
+          </a:blip>
+          <a:stretch>
+            <a:fillRect/>
+          </a:stretch>
+        </p:blipFill>
+        <p:spPr>
+          <a:xfrm>
+            <a:off x="2532732" y="2895509"/>
+            <a:ext cx="3498222" cy="3635320"/>
+          </a:xfrm>
+          <a:prstGeom prst="rect">
+            <a:avLst/>
+          </a:prstGeom>
+        </p:spPr>
+      </p:pic>
+      <p:cxnSp>
+        <p:nvCxnSpPr>
+          <p:cNvPr id="18" name="Прямая со стрелкой 17">
+            <a:extLst>
+              <a:ext uri="{FF2B5EF4-FFF2-40B4-BE49-F238E27FC236}">
+                <a16:creationId xmlns:a16="http://schemas.microsoft.com/office/drawing/2014/main" id="{EE1A4B67-4410-476B-A62A-28271B971ABA}"/>
+              </a:ext>
+            </a:extLst>
+          </p:cNvPr>
+          <p:cNvCxnSpPr>
+            <a:stCxn id="12" idx="2"/>
+            <a:endCxn id="14" idx="0"/>
+          </p:cNvCxnSpPr>
+          <p:nvPr/>
+        </p:nvCxnSpPr>
+        <p:spPr>
+          <a:xfrm flipH="1">
+            <a:off x="8728219" y="2428915"/>
+            <a:ext cx="1280492" cy="466593"/>
+          </a:xfrm>
+          <a:prstGeom prst="straightConnector1">
+            <a:avLst/>
+          </a:prstGeom>
+          <a:ln>
+            <a:tailEnd type="triangle"/>
+          </a:ln>
+        </p:spPr>
+        <p:style>
+          <a:lnRef idx="1">
+            <a:schemeClr val="accent1"/>
+          </a:lnRef>
+          <a:fillRef idx="0">
+            <a:schemeClr val="accent1"/>
+          </a:fillRef>
+          <a:effectRef idx="0">
+            <a:schemeClr val="accent1"/>
+          </a:effectRef>
+          <a:fontRef idx="minor">
+            <a:schemeClr val="tx1"/>
+          </a:fontRef>
+        </p:style>
+      </p:cxnSp>
+      <p:cxnSp>
+        <p:nvCxnSpPr>
+          <p:cNvPr id="20" name="Прямая со стрелкой 19">
+            <a:extLst>
+              <a:ext uri="{FF2B5EF4-FFF2-40B4-BE49-F238E27FC236}">
+                <a16:creationId xmlns:a16="http://schemas.microsoft.com/office/drawing/2014/main" id="{FE0BDC92-587F-43A2-B11A-D87B3090D1B7}"/>
+              </a:ext>
+            </a:extLst>
+          </p:cNvPr>
+          <p:cNvCxnSpPr>
+            <a:stCxn id="14" idx="1"/>
+            <a:endCxn id="16" idx="3"/>
+          </p:cNvCxnSpPr>
+          <p:nvPr/>
+        </p:nvCxnSpPr>
+        <p:spPr>
+          <a:xfrm flipH="1" flipV="1">
+            <a:off x="6030954" y="4713169"/>
+            <a:ext cx="948154" cy="7988"/>
+          </a:xfrm>
+          <a:prstGeom prst="straightConnector1">
+            <a:avLst/>
+          </a:prstGeom>
+          <a:ln>
+            <a:tailEnd type="triangle"/>
+          </a:ln>
+        </p:spPr>
+        <p:style>
+          <a:lnRef idx="1">
+            <a:schemeClr val="accent1"/>
+          </a:lnRef>
+          <a:fillRef idx="0">
+            <a:schemeClr val="accent1"/>
+          </a:fillRef>
+          <a:effectRef idx="0">
+            <a:schemeClr val="accent1"/>
+          </a:effectRef>
+          <a:fontRef idx="minor">
+            <a:schemeClr val="tx1"/>
+          </a:fontRef>
+        </p:style>
+      </p:cxnSp>
     </p:spTree>
     <p:extLst>
       <p:ext uri="{BB962C8B-B14F-4D97-AF65-F5344CB8AC3E}">
@@ -4049,10 +4411,10 @@
       </p:grpSpPr>
       <p:pic>
         <p:nvPicPr>
-          <p:cNvPr id="5" name="Рисунок 4">
-            <a:extLst>
-              <a:ext uri="{FF2B5EF4-FFF2-40B4-BE49-F238E27FC236}">
-                <a16:creationId xmlns:a16="http://schemas.microsoft.com/office/drawing/2014/main" id="{072BEB37-B342-4B51-ABE8-369D061AEDB6}"/>
+          <p:cNvPr id="3" name="Рисунок 2">
+            <a:extLst>
+              <a:ext uri="{FF2B5EF4-FFF2-40B4-BE49-F238E27FC236}">
+                <a16:creationId xmlns:a16="http://schemas.microsoft.com/office/drawing/2014/main" id="{C88F3ED7-CE22-4469-B4F8-18B73DE3CB2C}"/>
               </a:ext>
             </a:extLst>
           </p:cNvPr>
@@ -4075,8 +4437,8 @@
         </p:blipFill>
         <p:spPr>
           <a:xfrm>
-            <a:off x="2043154" y="0"/>
-            <a:ext cx="8105691" cy="6858000"/>
+            <a:off x="1720062" y="0"/>
+            <a:ext cx="8751876" cy="6858000"/>
           </a:xfrm>
           <a:prstGeom prst="rect">
             <a:avLst/>
@@ -4115,10 +4477,10 @@
       </p:grpSpPr>
       <p:pic>
         <p:nvPicPr>
-          <p:cNvPr id="5" name="Рисунок 4">
-            <a:extLst>
-              <a:ext uri="{FF2B5EF4-FFF2-40B4-BE49-F238E27FC236}">
-                <a16:creationId xmlns:a16="http://schemas.microsoft.com/office/drawing/2014/main" id="{6244DA48-3CE6-47BE-8C75-EBB8B23B3FD8}"/>
+          <p:cNvPr id="3" name="Рисунок 2">
+            <a:extLst>
+              <a:ext uri="{FF2B5EF4-FFF2-40B4-BE49-F238E27FC236}">
+                <a16:creationId xmlns:a16="http://schemas.microsoft.com/office/drawing/2014/main" id="{C2F5FD8B-0987-4545-B016-977C1D2BBF74}"/>
               </a:ext>
             </a:extLst>
           </p:cNvPr>
@@ -4141,8 +4503,8 @@
         </p:blipFill>
         <p:spPr>
           <a:xfrm>
-            <a:off x="2426669" y="0"/>
-            <a:ext cx="7338661" cy="6858000"/>
+            <a:off x="2783661" y="0"/>
+            <a:ext cx="6624678" cy="6858000"/>
           </a:xfrm>
           <a:prstGeom prst="rect">
             <a:avLst/>
@@ -4181,10 +4543,10 @@
       </p:grpSpPr>
       <p:pic>
         <p:nvPicPr>
-          <p:cNvPr id="5" name="Рисунок 4">
-            <a:extLst>
-              <a:ext uri="{FF2B5EF4-FFF2-40B4-BE49-F238E27FC236}">
-                <a16:creationId xmlns:a16="http://schemas.microsoft.com/office/drawing/2014/main" id="{4514852C-DCC2-402C-9ACD-96510E59F9AD}"/>
+          <p:cNvPr id="3" name="Рисунок 2">
+            <a:extLst>
+              <a:ext uri="{FF2B5EF4-FFF2-40B4-BE49-F238E27FC236}">
+                <a16:creationId xmlns:a16="http://schemas.microsoft.com/office/drawing/2014/main" id="{44CD8F07-CCDE-46DF-857F-E88190A2C4CF}"/>
               </a:ext>
             </a:extLst>
           </p:cNvPr>
@@ -4207,8 +4569,8 @@
         </p:blipFill>
         <p:spPr>
           <a:xfrm>
-            <a:off x="0" y="745416"/>
-            <a:ext cx="12192000" cy="5367167"/>
+            <a:off x="0" y="714169"/>
+            <a:ext cx="12192000" cy="5429662"/>
           </a:xfrm>
           <a:prstGeom prst="rect">
             <a:avLst/>
@@ -4271,7 +4633,7 @@
     </a:clrScheme>
     <a:fontScheme name="Стандартная">
       <a:majorFont>
-        <a:latin typeface="Calibri Light" panose="020F0302020204030204"/>
+        <a:latin typeface="Calibri Light"/>
         <a:ea typeface=""/>
         <a:cs typeface=""/>
         <a:font script="Jpan" typeface="游ゴシック Light"/>
@@ -4323,7 +4685,7 @@
         <a:font script="Tfng" typeface="Ebrima"/>
       </a:majorFont>
       <a:minorFont>
-        <a:latin typeface="Calibri" panose="020F0502020204030204"/>
+        <a:latin typeface="Calibri"/>
         <a:ea typeface=""/>
         <a:cs typeface=""/>
         <a:font script="Jpan" typeface="游ゴシック"/>
